--- a/RBAC技术分享.pptx
+++ b/RBAC技术分享.pptx
@@ -20,6 +20,7 @@
     <p:sldId id="267" r:id="rId14"/>
     <p:sldId id="270" r:id="rId15"/>
     <p:sldId id="269" r:id="rId16"/>
+    <p:sldId id="273" r:id="rId17"/>
   </p:sldIdLst>
   <p:sldSz cx="12192000" cy="6858000"/>
   <p:notesSz cx="6858000" cy="9144000"/>
@@ -2216,7 +2217,7 @@
           <a:noFill/>
           <a:extLst>
             <a:ext uri="{909E8E84-426E-40dd-AFC4-6F175D3DCCD1}">
-              <a14:hiddenFill xmlns:a14="http://schemas.microsoft.com/office/drawing/2010/main" xmlns="">
+              <a14:hiddenFill xmlns="" xmlns:a14="http://schemas.microsoft.com/office/drawing/2010/main">
                 <a:solidFill>
                   <a:srgbClr val="FFFFFF"/>
                 </a:solidFill>
@@ -2276,7 +2277,7 @@
             </a:ln>
             <a:extLst>
               <a:ext uri="{91240B29-F687-4f45-9708-019B960494DF}">
-                <a14:hiddenLine xmlns:a14="http://schemas.microsoft.com/office/drawing/2010/main" xmlns="" w="9525">
+                <a14:hiddenLine xmlns="" xmlns:a14="http://schemas.microsoft.com/office/drawing/2010/main" w="9525">
                   <a:solidFill>
                     <a:srgbClr val="000000"/>
                   </a:solidFill>
@@ -2366,7 +2367,7 @@
             </a:ln>
             <a:extLst>
               <a:ext uri="{91240B29-F687-4f45-9708-019B960494DF}">
-                <a14:hiddenLine xmlns:a14="http://schemas.microsoft.com/office/drawing/2010/main" xmlns="" w="9525">
+                <a14:hiddenLine xmlns="" xmlns:a14="http://schemas.microsoft.com/office/drawing/2010/main" w="9525">
                   <a:solidFill>
                     <a:srgbClr val="000000"/>
                   </a:solidFill>
@@ -2456,7 +2457,7 @@
             </a:ln>
             <a:extLst>
               <a:ext uri="{91240B29-F687-4f45-9708-019B960494DF}">
-                <a14:hiddenLine xmlns:a14="http://schemas.microsoft.com/office/drawing/2010/main" xmlns="" w="9525">
+                <a14:hiddenLine xmlns="" xmlns:a14="http://schemas.microsoft.com/office/drawing/2010/main" w="9525">
                   <a:solidFill>
                     <a:srgbClr val="000000"/>
                   </a:solidFill>
@@ -2490,7 +2491,7 @@
             </a:ln>
             <a:extLst>
               <a:ext uri="{91240B29-F687-4f45-9708-019B960494DF}">
-                <a14:hiddenLine xmlns:a14="http://schemas.microsoft.com/office/drawing/2010/main" xmlns="" w="9525">
+                <a14:hiddenLine xmlns="" xmlns:a14="http://schemas.microsoft.com/office/drawing/2010/main" w="9525">
                   <a:solidFill>
                     <a:srgbClr val="000000"/>
                   </a:solidFill>
@@ -2580,7 +2581,7 @@
             </a:ln>
             <a:extLst>
               <a:ext uri="{91240B29-F687-4f45-9708-019B960494DF}">
-                <a14:hiddenLine xmlns:a14="http://schemas.microsoft.com/office/drawing/2010/main" xmlns="" w="9525">
+                <a14:hiddenLine xmlns="" xmlns:a14="http://schemas.microsoft.com/office/drawing/2010/main" w="9525">
                   <a:solidFill>
                     <a:srgbClr val="000000"/>
                   </a:solidFill>
@@ -2642,7 +2643,7 @@
             </a:ln>
             <a:extLst>
               <a:ext uri="{91240B29-F687-4f45-9708-019B960494DF}">
-                <a14:hiddenLine xmlns:a14="http://schemas.microsoft.com/office/drawing/2010/main" xmlns="" w="9525">
+                <a14:hiddenLine xmlns="" xmlns:a14="http://schemas.microsoft.com/office/drawing/2010/main" w="9525">
                   <a:solidFill>
                     <a:srgbClr val="000000"/>
                   </a:solidFill>
@@ -2704,7 +2705,7 @@
             </a:ln>
             <a:extLst>
               <a:ext uri="{91240B29-F687-4f45-9708-019B960494DF}">
-                <a14:hiddenLine xmlns:a14="http://schemas.microsoft.com/office/drawing/2010/main" xmlns="" w="9525">
+                <a14:hiddenLine xmlns="" xmlns:a14="http://schemas.microsoft.com/office/drawing/2010/main" w="9525">
                   <a:solidFill>
                     <a:srgbClr val="000000"/>
                   </a:solidFill>
@@ -2794,7 +2795,7 @@
             </a:ln>
             <a:extLst>
               <a:ext uri="{91240B29-F687-4f45-9708-019B960494DF}">
-                <a14:hiddenLine xmlns:a14="http://schemas.microsoft.com/office/drawing/2010/main" xmlns="" w="9525">
+                <a14:hiddenLine xmlns="" xmlns:a14="http://schemas.microsoft.com/office/drawing/2010/main" w="9525">
                   <a:solidFill>
                     <a:srgbClr val="000000"/>
                   </a:solidFill>
@@ -2856,7 +2857,7 @@
             </a:ln>
             <a:extLst>
               <a:ext uri="{91240B29-F687-4f45-9708-019B960494DF}">
-                <a14:hiddenLine xmlns:a14="http://schemas.microsoft.com/office/drawing/2010/main" xmlns="" w="9525">
+                <a14:hiddenLine xmlns="" xmlns:a14="http://schemas.microsoft.com/office/drawing/2010/main" w="9525">
                   <a:solidFill>
                     <a:srgbClr val="000000"/>
                   </a:solidFill>
@@ -2918,7 +2919,7 @@
             </a:ln>
             <a:extLst>
               <a:ext uri="{91240B29-F687-4f45-9708-019B960494DF}">
-                <a14:hiddenLine xmlns:a14="http://schemas.microsoft.com/office/drawing/2010/main" xmlns="" w="9525">
+                <a14:hiddenLine xmlns="" xmlns:a14="http://schemas.microsoft.com/office/drawing/2010/main" w="9525">
                   <a:solidFill>
                     <a:srgbClr val="000000"/>
                   </a:solidFill>
@@ -3008,7 +3009,7 @@
             </a:ln>
             <a:extLst>
               <a:ext uri="{91240B29-F687-4f45-9708-019B960494DF}">
-                <a14:hiddenLine xmlns:a14="http://schemas.microsoft.com/office/drawing/2010/main" xmlns="" w="9525">
+                <a14:hiddenLine xmlns="" xmlns:a14="http://schemas.microsoft.com/office/drawing/2010/main" w="9525">
                   <a:solidFill>
                     <a:srgbClr val="000000"/>
                   </a:solidFill>
@@ -3098,7 +3099,7 @@
             </a:ln>
             <a:extLst>
               <a:ext uri="{91240B29-F687-4f45-9708-019B960494DF}">
-                <a14:hiddenLine xmlns:a14="http://schemas.microsoft.com/office/drawing/2010/main" xmlns="" w="9525">
+                <a14:hiddenLine xmlns="" xmlns:a14="http://schemas.microsoft.com/office/drawing/2010/main" w="9525">
                   <a:solidFill>
                     <a:srgbClr val="000000"/>
                   </a:solidFill>
@@ -3160,7 +3161,7 @@
             </a:ln>
             <a:extLst>
               <a:ext uri="{91240B29-F687-4f45-9708-019B960494DF}">
-                <a14:hiddenLine xmlns:a14="http://schemas.microsoft.com/office/drawing/2010/main" xmlns="" w="9525">
+                <a14:hiddenLine xmlns="" xmlns:a14="http://schemas.microsoft.com/office/drawing/2010/main" w="9525">
                   <a:solidFill>
                     <a:srgbClr val="000000"/>
                   </a:solidFill>
@@ -3270,7 +3271,7 @@
             </a:ln>
             <a:extLst>
               <a:ext uri="{91240B29-F687-4f45-9708-019B960494DF}">
-                <a14:hiddenLine xmlns:a14="http://schemas.microsoft.com/office/drawing/2010/main" xmlns="" w="9525">
+                <a14:hiddenLine xmlns="" xmlns:a14="http://schemas.microsoft.com/office/drawing/2010/main" w="9525">
                   <a:solidFill>
                     <a:srgbClr val="000000"/>
                   </a:solidFill>
@@ -3332,7 +3333,7 @@
             </a:ln>
             <a:extLst>
               <a:ext uri="{91240B29-F687-4f45-9708-019B960494DF}">
-                <a14:hiddenLine xmlns:a14="http://schemas.microsoft.com/office/drawing/2010/main" xmlns="" w="9525">
+                <a14:hiddenLine xmlns="" xmlns:a14="http://schemas.microsoft.com/office/drawing/2010/main" w="9525">
                   <a:solidFill>
                     <a:srgbClr val="000000"/>
                   </a:solidFill>
@@ -3422,7 +3423,7 @@
             </a:ln>
             <a:extLst>
               <a:ext uri="{91240B29-F687-4f45-9708-019B960494DF}">
-                <a14:hiddenLine xmlns:a14="http://schemas.microsoft.com/office/drawing/2010/main" xmlns="" w="9525">
+                <a14:hiddenLine xmlns="" xmlns:a14="http://schemas.microsoft.com/office/drawing/2010/main" w="9525">
                   <a:solidFill>
                     <a:srgbClr val="000000"/>
                   </a:solidFill>
@@ -3512,7 +3513,7 @@
             </a:ln>
             <a:extLst>
               <a:ext uri="{91240B29-F687-4f45-9708-019B960494DF}">
-                <a14:hiddenLine xmlns:a14="http://schemas.microsoft.com/office/drawing/2010/main" xmlns="" w="9525">
+                <a14:hiddenLine xmlns="" xmlns:a14="http://schemas.microsoft.com/office/drawing/2010/main" w="9525">
                   <a:solidFill>
                     <a:srgbClr val="000000"/>
                   </a:solidFill>
@@ -3574,7 +3575,7 @@
             </a:ln>
             <a:extLst>
               <a:ext uri="{91240B29-F687-4f45-9708-019B960494DF}">
-                <a14:hiddenLine xmlns:a14="http://schemas.microsoft.com/office/drawing/2010/main" xmlns="" w="9525">
+                <a14:hiddenLine xmlns="" xmlns:a14="http://schemas.microsoft.com/office/drawing/2010/main" w="9525">
                   <a:solidFill>
                     <a:srgbClr val="000000"/>
                   </a:solidFill>
@@ -3664,7 +3665,7 @@
             </a:ln>
             <a:extLst>
               <a:ext uri="{91240B29-F687-4f45-9708-019B960494DF}">
-                <a14:hiddenLine xmlns:a14="http://schemas.microsoft.com/office/drawing/2010/main" xmlns="" w="9525">
+                <a14:hiddenLine xmlns="" xmlns:a14="http://schemas.microsoft.com/office/drawing/2010/main" w="9525">
                   <a:solidFill>
                     <a:srgbClr val="000000"/>
                   </a:solidFill>
@@ -3754,7 +3755,7 @@
             </a:ln>
             <a:extLst>
               <a:ext uri="{91240B29-F687-4f45-9708-019B960494DF}">
-                <a14:hiddenLine xmlns:a14="http://schemas.microsoft.com/office/drawing/2010/main" xmlns="" w="9525">
+                <a14:hiddenLine xmlns="" xmlns:a14="http://schemas.microsoft.com/office/drawing/2010/main" w="9525">
                   <a:solidFill>
                     <a:srgbClr val="000000"/>
                   </a:solidFill>
@@ -3810,7 +3811,7 @@
             </a:ln>
             <a:extLst>
               <a:ext uri="{91240B29-F687-4f45-9708-019B960494DF}">
-                <a14:hiddenLine xmlns:a14="http://schemas.microsoft.com/office/drawing/2010/main" xmlns="" w="9525">
+                <a14:hiddenLine xmlns="" xmlns:a14="http://schemas.microsoft.com/office/drawing/2010/main" w="9525">
                   <a:solidFill>
                     <a:srgbClr val="000000"/>
                   </a:solidFill>
@@ -3900,7 +3901,7 @@
             </a:ln>
             <a:extLst>
               <a:ext uri="{91240B29-F687-4f45-9708-019B960494DF}">
-                <a14:hiddenLine xmlns:a14="http://schemas.microsoft.com/office/drawing/2010/main" xmlns="" w="9525">
+                <a14:hiddenLine xmlns="" xmlns:a14="http://schemas.microsoft.com/office/drawing/2010/main" w="9525">
                   <a:solidFill>
                     <a:srgbClr val="000000"/>
                   </a:solidFill>
@@ -3956,7 +3957,7 @@
             </a:ln>
             <a:extLst>
               <a:ext uri="{91240B29-F687-4f45-9708-019B960494DF}">
-                <a14:hiddenLine xmlns:a14="http://schemas.microsoft.com/office/drawing/2010/main" xmlns="" w="9525">
+                <a14:hiddenLine xmlns="" xmlns:a14="http://schemas.microsoft.com/office/drawing/2010/main" w="9525">
                   <a:solidFill>
                     <a:srgbClr val="000000"/>
                   </a:solidFill>
@@ -4046,7 +4047,7 @@
             </a:ln>
             <a:extLst>
               <a:ext uri="{91240B29-F687-4f45-9708-019B960494DF}">
-                <a14:hiddenLine xmlns:a14="http://schemas.microsoft.com/office/drawing/2010/main" xmlns="" w="9525">
+                <a14:hiddenLine xmlns="" xmlns:a14="http://schemas.microsoft.com/office/drawing/2010/main" w="9525">
                   <a:solidFill>
                     <a:srgbClr val="000000"/>
                   </a:solidFill>
@@ -4114,7 +4115,7 @@
             </a:ln>
             <a:extLst>
               <a:ext uri="{91240B29-F687-4f45-9708-019B960494DF}">
-                <a14:hiddenLine xmlns:a14="http://schemas.microsoft.com/office/drawing/2010/main" xmlns="" w="9525">
+                <a14:hiddenLine xmlns="" xmlns:a14="http://schemas.microsoft.com/office/drawing/2010/main" w="9525">
                   <a:solidFill>
                     <a:srgbClr val="000000"/>
                   </a:solidFill>
@@ -4204,7 +4205,7 @@
             </a:ln>
             <a:extLst>
               <a:ext uri="{91240B29-F687-4f45-9708-019B960494DF}">
-                <a14:hiddenLine xmlns:a14="http://schemas.microsoft.com/office/drawing/2010/main" xmlns="" w="9525">
+                <a14:hiddenLine xmlns="" xmlns:a14="http://schemas.microsoft.com/office/drawing/2010/main" w="9525">
                   <a:solidFill>
                     <a:srgbClr val="000000"/>
                   </a:solidFill>
@@ -4272,7 +4273,7 @@
             </a:ln>
             <a:extLst>
               <a:ext uri="{91240B29-F687-4f45-9708-019B960494DF}">
-                <a14:hiddenLine xmlns:a14="http://schemas.microsoft.com/office/drawing/2010/main" xmlns="" w="9525">
+                <a14:hiddenLine xmlns="" xmlns:a14="http://schemas.microsoft.com/office/drawing/2010/main" w="9525">
                   <a:solidFill>
                     <a:srgbClr val="000000"/>
                   </a:solidFill>
@@ -4362,7 +4363,7 @@
             </a:ln>
             <a:extLst>
               <a:ext uri="{91240B29-F687-4f45-9708-019B960494DF}">
-                <a14:hiddenLine xmlns:a14="http://schemas.microsoft.com/office/drawing/2010/main" xmlns="" w="9525">
+                <a14:hiddenLine xmlns="" xmlns:a14="http://schemas.microsoft.com/office/drawing/2010/main" w="9525">
                   <a:solidFill>
                     <a:srgbClr val="000000"/>
                   </a:solidFill>
@@ -4396,7 +4397,7 @@
             </a:ln>
             <a:extLst>
               <a:ext uri="{91240B29-F687-4f45-9708-019B960494DF}">
-                <a14:hiddenLine xmlns:a14="http://schemas.microsoft.com/office/drawing/2010/main" xmlns="" w="9525">
+                <a14:hiddenLine xmlns="" xmlns:a14="http://schemas.microsoft.com/office/drawing/2010/main" w="9525">
                   <a:solidFill>
                     <a:srgbClr val="000000"/>
                   </a:solidFill>
@@ -4486,7 +4487,7 @@
             </a:ln>
             <a:extLst>
               <a:ext uri="{91240B29-F687-4f45-9708-019B960494DF}">
-                <a14:hiddenLine xmlns:a14="http://schemas.microsoft.com/office/drawing/2010/main" xmlns="" w="9525">
+                <a14:hiddenLine xmlns="" xmlns:a14="http://schemas.microsoft.com/office/drawing/2010/main" w="9525">
                   <a:solidFill>
                     <a:srgbClr val="000000"/>
                   </a:solidFill>
@@ -4548,7 +4549,7 @@
             </a:ln>
             <a:extLst>
               <a:ext uri="{91240B29-F687-4f45-9708-019B960494DF}">
-                <a14:hiddenLine xmlns:a14="http://schemas.microsoft.com/office/drawing/2010/main" xmlns="" w="9525">
+                <a14:hiddenLine xmlns="" xmlns:a14="http://schemas.microsoft.com/office/drawing/2010/main" w="9525">
                   <a:solidFill>
                     <a:srgbClr val="000000"/>
                   </a:solidFill>
@@ -4610,7 +4611,7 @@
             </a:ln>
             <a:extLst>
               <a:ext uri="{91240B29-F687-4f45-9708-019B960494DF}">
-                <a14:hiddenLine xmlns:a14="http://schemas.microsoft.com/office/drawing/2010/main" xmlns="" w="9525">
+                <a14:hiddenLine xmlns="" xmlns:a14="http://schemas.microsoft.com/office/drawing/2010/main" w="9525">
                   <a:solidFill>
                     <a:srgbClr val="000000"/>
                   </a:solidFill>
@@ -4700,7 +4701,7 @@
             </a:ln>
             <a:extLst>
               <a:ext uri="{91240B29-F687-4f45-9708-019B960494DF}">
-                <a14:hiddenLine xmlns:a14="http://schemas.microsoft.com/office/drawing/2010/main" xmlns="" w="9525">
+                <a14:hiddenLine xmlns="" xmlns:a14="http://schemas.microsoft.com/office/drawing/2010/main" w="9525">
                   <a:solidFill>
                     <a:srgbClr val="000000"/>
                   </a:solidFill>
@@ -4768,7 +4769,7 @@
             </a:ln>
             <a:extLst>
               <a:ext uri="{91240B29-F687-4f45-9708-019B960494DF}">
-                <a14:hiddenLine xmlns:a14="http://schemas.microsoft.com/office/drawing/2010/main" xmlns="" w="9525">
+                <a14:hiddenLine xmlns="" xmlns:a14="http://schemas.microsoft.com/office/drawing/2010/main" w="9525">
                   <a:solidFill>
                     <a:srgbClr val="000000"/>
                   </a:solidFill>
@@ -4830,7 +4831,7 @@
             </a:ln>
             <a:extLst>
               <a:ext uri="{91240B29-F687-4f45-9708-019B960494DF}">
-                <a14:hiddenLine xmlns:a14="http://schemas.microsoft.com/office/drawing/2010/main" xmlns="" w="9525">
+                <a14:hiddenLine xmlns="" xmlns:a14="http://schemas.microsoft.com/office/drawing/2010/main" w="9525">
                   <a:solidFill>
                     <a:srgbClr val="000000"/>
                   </a:solidFill>
@@ -4920,7 +4921,7 @@
             </a:ln>
             <a:extLst>
               <a:ext uri="{91240B29-F687-4f45-9708-019B960494DF}">
-                <a14:hiddenLine xmlns:a14="http://schemas.microsoft.com/office/drawing/2010/main" xmlns="" w="9525">
+                <a14:hiddenLine xmlns="" xmlns:a14="http://schemas.microsoft.com/office/drawing/2010/main" w="9525">
                   <a:solidFill>
                     <a:srgbClr val="000000"/>
                   </a:solidFill>
@@ -4982,7 +4983,7 @@
             </a:ln>
             <a:extLst>
               <a:ext uri="{91240B29-F687-4f45-9708-019B960494DF}">
-                <a14:hiddenLine xmlns:a14="http://schemas.microsoft.com/office/drawing/2010/main" xmlns="" w="9525">
+                <a14:hiddenLine xmlns="" xmlns:a14="http://schemas.microsoft.com/office/drawing/2010/main" w="9525">
                   <a:solidFill>
                     <a:srgbClr val="000000"/>
                   </a:solidFill>
@@ -5072,7 +5073,7 @@
             </a:ln>
             <a:extLst>
               <a:ext uri="{91240B29-F687-4f45-9708-019B960494DF}">
-                <a14:hiddenLine xmlns:a14="http://schemas.microsoft.com/office/drawing/2010/main" xmlns="" w="9525">
+                <a14:hiddenLine xmlns="" xmlns:a14="http://schemas.microsoft.com/office/drawing/2010/main" w="9525">
                   <a:solidFill>
                     <a:srgbClr val="000000"/>
                   </a:solidFill>
@@ -5134,7 +5135,7 @@
             </a:ln>
             <a:extLst>
               <a:ext uri="{91240B29-F687-4f45-9708-019B960494DF}">
-                <a14:hiddenLine xmlns:a14="http://schemas.microsoft.com/office/drawing/2010/main" xmlns="" w="9525">
+                <a14:hiddenLine xmlns="" xmlns:a14="http://schemas.microsoft.com/office/drawing/2010/main" w="9525">
                   <a:solidFill>
                     <a:srgbClr val="000000"/>
                   </a:solidFill>
@@ -5224,7 +5225,7 @@
             </a:ln>
             <a:extLst>
               <a:ext uri="{91240B29-F687-4f45-9708-019B960494DF}">
-                <a14:hiddenLine xmlns:a14="http://schemas.microsoft.com/office/drawing/2010/main" xmlns="" w="9525">
+                <a14:hiddenLine xmlns="" xmlns:a14="http://schemas.microsoft.com/office/drawing/2010/main" w="9525">
                   <a:solidFill>
                     <a:srgbClr val="000000"/>
                   </a:solidFill>
@@ -5258,7 +5259,7 @@
             </a:ln>
             <a:extLst>
               <a:ext uri="{91240B29-F687-4f45-9708-019B960494DF}">
-                <a14:hiddenLine xmlns:a14="http://schemas.microsoft.com/office/drawing/2010/main" xmlns="" w="9525">
+                <a14:hiddenLine xmlns="" xmlns:a14="http://schemas.microsoft.com/office/drawing/2010/main" w="9525">
                   <a:solidFill>
                     <a:srgbClr val="000000"/>
                   </a:solidFill>
@@ -5323,7 +5324,7 @@
             </a:ln>
             <a:extLst>
               <a:ext uri="{91240B29-F687-4f45-9708-019B960494DF}">
-                <a14:hiddenLine xmlns:a14="http://schemas.microsoft.com/office/drawing/2010/main" xmlns="" w="9525">
+                <a14:hiddenLine xmlns="" xmlns:a14="http://schemas.microsoft.com/office/drawing/2010/main" w="9525">
                   <a:solidFill>
                     <a:srgbClr val="000000"/>
                   </a:solidFill>
@@ -5413,7 +5414,7 @@
             </a:ln>
             <a:extLst>
               <a:ext uri="{91240B29-F687-4f45-9708-019B960494DF}">
-                <a14:hiddenLine xmlns:a14="http://schemas.microsoft.com/office/drawing/2010/main" xmlns="" w="9525">
+                <a14:hiddenLine xmlns="" xmlns:a14="http://schemas.microsoft.com/office/drawing/2010/main" w="9525">
                   <a:solidFill>
                     <a:srgbClr val="000000"/>
                   </a:solidFill>
@@ -5475,7 +5476,7 @@
             </a:ln>
             <a:extLst>
               <a:ext uri="{91240B29-F687-4f45-9708-019B960494DF}">
-                <a14:hiddenLine xmlns:a14="http://schemas.microsoft.com/office/drawing/2010/main" xmlns="" w="9525">
+                <a14:hiddenLine xmlns="" xmlns:a14="http://schemas.microsoft.com/office/drawing/2010/main" w="9525">
                   <a:solidFill>
                     <a:srgbClr val="000000"/>
                   </a:solidFill>
@@ -5565,7 +5566,7 @@
             </a:ln>
             <a:extLst>
               <a:ext uri="{91240B29-F687-4f45-9708-019B960494DF}">
-                <a14:hiddenLine xmlns:a14="http://schemas.microsoft.com/office/drawing/2010/main" xmlns="" w="9525">
+                <a14:hiddenLine xmlns="" xmlns:a14="http://schemas.microsoft.com/office/drawing/2010/main" w="9525">
                   <a:solidFill>
                     <a:srgbClr val="000000"/>
                   </a:solidFill>
@@ -5655,7 +5656,7 @@
             </a:ln>
             <a:extLst>
               <a:ext uri="{91240B29-F687-4f45-9708-019B960494DF}">
-                <a14:hiddenLine xmlns:a14="http://schemas.microsoft.com/office/drawing/2010/main" xmlns="" w="9525">
+                <a14:hiddenLine xmlns="" xmlns:a14="http://schemas.microsoft.com/office/drawing/2010/main" w="9525">
                   <a:solidFill>
                     <a:srgbClr val="000000"/>
                   </a:solidFill>
@@ -5720,7 +5721,7 @@
             </a:ln>
             <a:extLst>
               <a:ext uri="{91240B29-F687-4f45-9708-019B960494DF}">
-                <a14:hiddenLine xmlns:a14="http://schemas.microsoft.com/office/drawing/2010/main" xmlns="" w="9525">
+                <a14:hiddenLine xmlns="" xmlns:a14="http://schemas.microsoft.com/office/drawing/2010/main" w="9525">
                   <a:solidFill>
                     <a:srgbClr val="000000"/>
                   </a:solidFill>
@@ -5782,7 +5783,7 @@
             </a:ln>
             <a:extLst>
               <a:ext uri="{91240B29-F687-4f45-9708-019B960494DF}">
-                <a14:hiddenLine xmlns:a14="http://schemas.microsoft.com/office/drawing/2010/main" xmlns="" w="9525">
+                <a14:hiddenLine xmlns="" xmlns:a14="http://schemas.microsoft.com/office/drawing/2010/main" w="9525">
                   <a:solidFill>
                     <a:srgbClr val="000000"/>
                   </a:solidFill>
@@ -5872,7 +5873,7 @@
             </a:ln>
             <a:extLst>
               <a:ext uri="{91240B29-F687-4f45-9708-019B960494DF}">
-                <a14:hiddenLine xmlns:a14="http://schemas.microsoft.com/office/drawing/2010/main" xmlns="" w="9525">
+                <a14:hiddenLine xmlns="" xmlns:a14="http://schemas.microsoft.com/office/drawing/2010/main" w="9525">
                   <a:solidFill>
                     <a:srgbClr val="000000"/>
                   </a:solidFill>
@@ -5962,7 +5963,7 @@
             </a:ln>
             <a:extLst>
               <a:ext uri="{91240B29-F687-4f45-9708-019B960494DF}">
-                <a14:hiddenLine xmlns:a14="http://schemas.microsoft.com/office/drawing/2010/main" xmlns="" w="9525">
+                <a14:hiddenLine xmlns="" xmlns:a14="http://schemas.microsoft.com/office/drawing/2010/main" w="9525">
                   <a:solidFill>
                     <a:srgbClr val="000000"/>
                   </a:solidFill>
@@ -6024,7 +6025,7 @@
             </a:ln>
             <a:extLst>
               <a:ext uri="{91240B29-F687-4f45-9708-019B960494DF}">
-                <a14:hiddenLine xmlns:a14="http://schemas.microsoft.com/office/drawing/2010/main" xmlns="" w="9525">
+                <a14:hiddenLine xmlns="" xmlns:a14="http://schemas.microsoft.com/office/drawing/2010/main" w="9525">
                   <a:solidFill>
                     <a:srgbClr val="000000"/>
                   </a:solidFill>
@@ -6144,7 +6145,7 @@
             </a:ln>
             <a:extLst>
               <a:ext uri="{91240B29-F687-4f45-9708-019B960494DF}">
-                <a14:hiddenLine xmlns:a14="http://schemas.microsoft.com/office/drawing/2010/main" xmlns="" w="9525">
+                <a14:hiddenLine xmlns="" xmlns:a14="http://schemas.microsoft.com/office/drawing/2010/main" w="9525">
                   <a:solidFill>
                     <a:srgbClr val="000000"/>
                   </a:solidFill>
@@ -6212,7 +6213,7 @@
             </a:ln>
             <a:extLst>
               <a:ext uri="{91240B29-F687-4f45-9708-019B960494DF}">
-                <a14:hiddenLine xmlns:a14="http://schemas.microsoft.com/office/drawing/2010/main" xmlns="" w="9525">
+                <a14:hiddenLine xmlns="" xmlns:a14="http://schemas.microsoft.com/office/drawing/2010/main" w="9525">
                   <a:solidFill>
                     <a:srgbClr val="000000"/>
                   </a:solidFill>
@@ -6302,7 +6303,7 @@
             </a:ln>
             <a:extLst>
               <a:ext uri="{91240B29-F687-4f45-9708-019B960494DF}">
-                <a14:hiddenLine xmlns:a14="http://schemas.microsoft.com/office/drawing/2010/main" xmlns="" w="9525">
+                <a14:hiddenLine xmlns="" xmlns:a14="http://schemas.microsoft.com/office/drawing/2010/main" w="9525">
                   <a:solidFill>
                     <a:srgbClr val="000000"/>
                   </a:solidFill>
@@ -6442,7 +6443,7 @@
           <a:p>
             <a:fld id="{48A87A34-81AB-432B-8DAE-1953F412C126}" type="datetimeFigureOut">
               <a:rPr lang="en-US" dirty="0"/>
-              <a:t>9/3/2019</a:t>
+              <a:t>9/16/2019</a:t>
             </a:fld>
             <a:endParaRPr lang="en-US" dirty="0"/>
           </a:p>
@@ -6704,7 +6705,7 @@
           <a:p>
             <a:fld id="{48A87A34-81AB-432B-8DAE-1953F412C126}" type="datetimeFigureOut">
               <a:rPr lang="en-US" dirty="0"/>
-              <a:t>9/3/2019</a:t>
+              <a:t>9/16/2019</a:t>
             </a:fld>
             <a:endParaRPr lang="en-US" dirty="0"/>
           </a:p>
@@ -6895,7 +6896,7 @@
           <a:p>
             <a:fld id="{48A87A34-81AB-432B-8DAE-1953F412C126}" type="datetimeFigureOut">
               <a:rPr lang="en-US" dirty="0"/>
-              <a:t>9/3/2019</a:t>
+              <a:t>9/16/2019</a:t>
             </a:fld>
             <a:endParaRPr lang="en-US" dirty="0"/>
           </a:p>
@@ -7153,7 +7154,7 @@
           <a:p>
             <a:fld id="{48A87A34-81AB-432B-8DAE-1953F412C126}" type="datetimeFigureOut">
               <a:rPr lang="en-US" dirty="0"/>
-              <a:t>9/3/2019</a:t>
+              <a:t>9/16/2019</a:t>
             </a:fld>
             <a:endParaRPr lang="en-US" dirty="0"/>
           </a:p>
@@ -7582,7 +7583,7 @@
           <a:p>
             <a:fld id="{48A87A34-81AB-432B-8DAE-1953F412C126}" type="datetimeFigureOut">
               <a:rPr lang="en-US" dirty="0"/>
-              <a:t>9/3/2019</a:t>
+              <a:t>9/16/2019</a:t>
             </a:fld>
             <a:endParaRPr lang="en-US" dirty="0"/>
           </a:p>
@@ -8123,7 +8124,7 @@
           <a:p>
             <a:fld id="{48A87A34-81AB-432B-8DAE-1953F412C126}" type="datetimeFigureOut">
               <a:rPr lang="en-US" dirty="0"/>
-              <a:t>9/3/2019</a:t>
+              <a:t>9/16/2019</a:t>
             </a:fld>
             <a:endParaRPr lang="en-US" dirty="0"/>
           </a:p>
@@ -8838,7 +8839,7 @@
           <a:p>
             <a:fld id="{48A87A34-81AB-432B-8DAE-1953F412C126}" type="datetimeFigureOut">
               <a:rPr lang="en-US" dirty="0"/>
-              <a:t>9/3/2019</a:t>
+              <a:t>9/16/2019</a:t>
             </a:fld>
             <a:endParaRPr lang="en-US" dirty="0"/>
           </a:p>
@@ -9003,7 +9004,7 @@
           <a:p>
             <a:fld id="{48A87A34-81AB-432B-8DAE-1953F412C126}" type="datetimeFigureOut">
               <a:rPr lang="en-US" dirty="0"/>
-              <a:t>9/3/2019</a:t>
+              <a:t>9/16/2019</a:t>
             </a:fld>
             <a:endParaRPr lang="en-US" dirty="0"/>
           </a:p>
@@ -9178,7 +9179,7 @@
           <a:p>
             <a:fld id="{48A87A34-81AB-432B-8DAE-1953F412C126}" type="datetimeFigureOut">
               <a:rPr lang="en-US" dirty="0"/>
-              <a:t>9/3/2019</a:t>
+              <a:t>9/16/2019</a:t>
             </a:fld>
             <a:endParaRPr lang="en-US" dirty="0"/>
           </a:p>
@@ -9343,7 +9344,7 @@
           <a:p>
             <a:fld id="{48A87A34-81AB-432B-8DAE-1953F412C126}" type="datetimeFigureOut">
               <a:rPr lang="en-US" dirty="0"/>
-              <a:t>9/3/2019</a:t>
+              <a:t>9/16/2019</a:t>
             </a:fld>
             <a:endParaRPr lang="en-US" dirty="0"/>
           </a:p>
@@ -9588,7 +9589,7 @@
           <a:p>
             <a:fld id="{48A87A34-81AB-432B-8DAE-1953F412C126}" type="datetimeFigureOut">
               <a:rPr lang="en-US" dirty="0"/>
-              <a:t>9/3/2019</a:t>
+              <a:t>9/16/2019</a:t>
             </a:fld>
             <a:endParaRPr lang="en-US" dirty="0"/>
           </a:p>
@@ -9815,7 +9816,7 @@
           <a:p>
             <a:fld id="{48A87A34-81AB-432B-8DAE-1953F412C126}" type="datetimeFigureOut">
               <a:rPr lang="en-US" dirty="0"/>
-              <a:t>9/3/2019</a:t>
+              <a:t>9/16/2019</a:t>
             </a:fld>
             <a:endParaRPr lang="en-US" dirty="0"/>
           </a:p>
@@ -10191,7 +10192,7 @@
           <a:p>
             <a:fld id="{48A87A34-81AB-432B-8DAE-1953F412C126}" type="datetimeFigureOut">
               <a:rPr lang="en-US" dirty="0"/>
-              <a:t>9/3/2019</a:t>
+              <a:t>9/16/2019</a:t>
             </a:fld>
             <a:endParaRPr lang="en-US" dirty="0"/>
           </a:p>
@@ -10304,7 +10305,7 @@
           <a:p>
             <a:fld id="{48A87A34-81AB-432B-8DAE-1953F412C126}" type="datetimeFigureOut">
               <a:rPr lang="en-US" dirty="0"/>
-              <a:t>9/3/2019</a:t>
+              <a:t>9/16/2019</a:t>
             </a:fld>
             <a:endParaRPr lang="en-US" dirty="0"/>
           </a:p>
@@ -10394,7 +10395,7 @@
           <a:p>
             <a:fld id="{48A87A34-81AB-432B-8DAE-1953F412C126}" type="datetimeFigureOut">
               <a:rPr lang="en-US" dirty="0"/>
-              <a:t>9/3/2019</a:t>
+              <a:t>9/16/2019</a:t>
             </a:fld>
             <a:endParaRPr lang="en-US" dirty="0"/>
           </a:p>
@@ -10638,7 +10639,7 @@
           <a:p>
             <a:fld id="{48A87A34-81AB-432B-8DAE-1953F412C126}" type="datetimeFigureOut">
               <a:rPr lang="en-US" dirty="0"/>
-              <a:t>9/3/2019</a:t>
+              <a:t>9/16/2019</a:t>
             </a:fld>
             <a:endParaRPr lang="en-US" dirty="0"/>
           </a:p>
@@ -10913,7 +10914,7 @@
           <a:p>
             <a:fld id="{48A87A34-81AB-432B-8DAE-1953F412C126}" type="datetimeFigureOut">
               <a:rPr lang="en-US" dirty="0"/>
-              <a:t>9/3/2019</a:t>
+              <a:t>9/16/2019</a:t>
             </a:fld>
             <a:endParaRPr lang="en-US" dirty="0"/>
           </a:p>
@@ -11024,7 +11025,7 @@
           <a:noFill/>
           <a:extLst>
             <a:ext uri="{909E8E84-426E-40dd-AFC4-6F175D3DCCD1}">
-              <a14:hiddenFill xmlns:a14="http://schemas.microsoft.com/office/drawing/2010/main" xmlns="">
+              <a14:hiddenFill xmlns="" xmlns:a14="http://schemas.microsoft.com/office/drawing/2010/main">
                 <a:solidFill>
                   <a:srgbClr val="FFFFFF"/>
                 </a:solidFill>
@@ -11098,7 +11099,7 @@
               </a:ln>
               <a:extLst>
                 <a:ext uri="{91240B29-F687-4f45-9708-019B960494DF}">
-                  <a14:hiddenLine xmlns:a14="http://schemas.microsoft.com/office/drawing/2010/main" xmlns="" w="9525">
+                  <a14:hiddenLine xmlns="" xmlns:a14="http://schemas.microsoft.com/office/drawing/2010/main" w="9525">
                     <a:solidFill>
                       <a:srgbClr val="000000"/>
                     </a:solidFill>
@@ -11188,7 +11189,7 @@
               </a:ln>
               <a:extLst>
                 <a:ext uri="{91240B29-F687-4f45-9708-019B960494DF}">
-                  <a14:hiddenLine xmlns:a14="http://schemas.microsoft.com/office/drawing/2010/main" xmlns="" w="9525">
+                  <a14:hiddenLine xmlns="" xmlns:a14="http://schemas.microsoft.com/office/drawing/2010/main" w="9525">
                     <a:solidFill>
                       <a:srgbClr val="000000"/>
                     </a:solidFill>
@@ -11278,7 +11279,7 @@
               </a:ln>
               <a:extLst>
                 <a:ext uri="{91240B29-F687-4f45-9708-019B960494DF}">
-                  <a14:hiddenLine xmlns:a14="http://schemas.microsoft.com/office/drawing/2010/main" xmlns="" w="9525">
+                  <a14:hiddenLine xmlns="" xmlns:a14="http://schemas.microsoft.com/office/drawing/2010/main" w="9525">
                     <a:solidFill>
                       <a:srgbClr val="000000"/>
                     </a:solidFill>
@@ -11340,7 +11341,7 @@
               </a:ln>
               <a:extLst>
                 <a:ext uri="{91240B29-F687-4f45-9708-019B960494DF}">
-                  <a14:hiddenLine xmlns:a14="http://schemas.microsoft.com/office/drawing/2010/main" xmlns="" w="9525">
+                  <a14:hiddenLine xmlns="" xmlns:a14="http://schemas.microsoft.com/office/drawing/2010/main" w="9525">
                     <a:solidFill>
                       <a:srgbClr val="000000"/>
                     </a:solidFill>
@@ -11430,7 +11431,7 @@
               </a:ln>
               <a:extLst>
                 <a:ext uri="{91240B29-F687-4f45-9708-019B960494DF}">
-                  <a14:hiddenLine xmlns:a14="http://schemas.microsoft.com/office/drawing/2010/main" xmlns="" w="9525">
+                  <a14:hiddenLine xmlns="" xmlns:a14="http://schemas.microsoft.com/office/drawing/2010/main" w="9525">
                     <a:solidFill>
                       <a:srgbClr val="000000"/>
                     </a:solidFill>
@@ -11492,7 +11493,7 @@
               </a:ln>
               <a:extLst>
                 <a:ext uri="{91240B29-F687-4f45-9708-019B960494DF}">
-                  <a14:hiddenLine xmlns:a14="http://schemas.microsoft.com/office/drawing/2010/main" xmlns="" w="9525">
+                  <a14:hiddenLine xmlns="" xmlns:a14="http://schemas.microsoft.com/office/drawing/2010/main" w="9525">
                     <a:solidFill>
                       <a:srgbClr val="000000"/>
                     </a:solidFill>
@@ -11554,7 +11555,7 @@
               </a:ln>
               <a:extLst>
                 <a:ext uri="{91240B29-F687-4f45-9708-019B960494DF}">
-                  <a14:hiddenLine xmlns:a14="http://schemas.microsoft.com/office/drawing/2010/main" xmlns="" w="9525">
+                  <a14:hiddenLine xmlns="" xmlns:a14="http://schemas.microsoft.com/office/drawing/2010/main" w="9525">
                     <a:solidFill>
                       <a:srgbClr val="000000"/>
                     </a:solidFill>
@@ -11644,7 +11645,7 @@
               </a:ln>
               <a:extLst>
                 <a:ext uri="{91240B29-F687-4f45-9708-019B960494DF}">
-                  <a14:hiddenLine xmlns:a14="http://schemas.microsoft.com/office/drawing/2010/main" xmlns="" w="9525">
+                  <a14:hiddenLine xmlns="" xmlns:a14="http://schemas.microsoft.com/office/drawing/2010/main" w="9525">
                     <a:solidFill>
                       <a:srgbClr val="000000"/>
                     </a:solidFill>
@@ -11734,7 +11735,7 @@
               </a:ln>
               <a:extLst>
                 <a:ext uri="{91240B29-F687-4f45-9708-019B960494DF}">
-                  <a14:hiddenLine xmlns:a14="http://schemas.microsoft.com/office/drawing/2010/main" xmlns="" w="9525">
+                  <a14:hiddenLine xmlns="" xmlns:a14="http://schemas.microsoft.com/office/drawing/2010/main" w="9525">
                     <a:solidFill>
                       <a:srgbClr val="000000"/>
                     </a:solidFill>
@@ -11796,7 +11797,7 @@
               </a:ln>
               <a:extLst>
                 <a:ext uri="{91240B29-F687-4f45-9708-019B960494DF}">
-                  <a14:hiddenLine xmlns:a14="http://schemas.microsoft.com/office/drawing/2010/main" xmlns="" w="9525">
+                  <a14:hiddenLine xmlns="" xmlns:a14="http://schemas.microsoft.com/office/drawing/2010/main" w="9525">
                     <a:solidFill>
                       <a:srgbClr val="000000"/>
                     </a:solidFill>
@@ -11906,7 +11907,7 @@
               </a:ln>
               <a:extLst>
                 <a:ext uri="{91240B29-F687-4f45-9708-019B960494DF}">
-                  <a14:hiddenLine xmlns:a14="http://schemas.microsoft.com/office/drawing/2010/main" xmlns="" w="9525">
+                  <a14:hiddenLine xmlns="" xmlns:a14="http://schemas.microsoft.com/office/drawing/2010/main" w="9525">
                     <a:solidFill>
                       <a:srgbClr val="000000"/>
                     </a:solidFill>
@@ -11990,7 +11991,7 @@
               </a:ln>
               <a:extLst>
                 <a:ext uri="{91240B29-F687-4f45-9708-019B960494DF}">
-                  <a14:hiddenLine xmlns:a14="http://schemas.microsoft.com/office/drawing/2010/main" xmlns="" w="9525">
+                  <a14:hiddenLine xmlns="" xmlns:a14="http://schemas.microsoft.com/office/drawing/2010/main" w="9525">
                     <a:solidFill>
                       <a:srgbClr val="000000"/>
                     </a:solidFill>
@@ -12052,7 +12053,7 @@
               </a:ln>
               <a:extLst>
                 <a:ext uri="{91240B29-F687-4f45-9708-019B960494DF}">
-                  <a14:hiddenLine xmlns:a14="http://schemas.microsoft.com/office/drawing/2010/main" xmlns="" w="9525">
+                  <a14:hiddenLine xmlns="" xmlns:a14="http://schemas.microsoft.com/office/drawing/2010/main" w="9525">
                     <a:solidFill>
                       <a:srgbClr val="000000"/>
                     </a:solidFill>
@@ -12114,7 +12115,7 @@
               </a:ln>
               <a:extLst>
                 <a:ext uri="{91240B29-F687-4f45-9708-019B960494DF}">
-                  <a14:hiddenLine xmlns:a14="http://schemas.microsoft.com/office/drawing/2010/main" xmlns="" w="9525">
+                  <a14:hiddenLine xmlns="" xmlns:a14="http://schemas.microsoft.com/office/drawing/2010/main" w="9525">
                     <a:solidFill>
                       <a:srgbClr val="000000"/>
                     </a:solidFill>
@@ -12204,7 +12205,7 @@
               </a:ln>
               <a:extLst>
                 <a:ext uri="{91240B29-F687-4f45-9708-019B960494DF}">
-                  <a14:hiddenLine xmlns:a14="http://schemas.microsoft.com/office/drawing/2010/main" xmlns="" w="9525">
+                  <a14:hiddenLine xmlns="" xmlns:a14="http://schemas.microsoft.com/office/drawing/2010/main" w="9525">
                     <a:solidFill>
                       <a:srgbClr val="000000"/>
                     </a:solidFill>
@@ -12238,7 +12239,7 @@
               </a:ln>
               <a:extLst>
                 <a:ext uri="{91240B29-F687-4f45-9708-019B960494DF}">
-                  <a14:hiddenLine xmlns:a14="http://schemas.microsoft.com/office/drawing/2010/main" xmlns="" w="9525">
+                  <a14:hiddenLine xmlns="" xmlns:a14="http://schemas.microsoft.com/office/drawing/2010/main" w="9525">
                     <a:solidFill>
                       <a:srgbClr val="000000"/>
                     </a:solidFill>
@@ -12303,7 +12304,7 @@
               </a:ln>
               <a:extLst>
                 <a:ext uri="{91240B29-F687-4f45-9708-019B960494DF}">
-                  <a14:hiddenLine xmlns:a14="http://schemas.microsoft.com/office/drawing/2010/main" xmlns="" w="9525">
+                  <a14:hiddenLine xmlns="" xmlns:a14="http://schemas.microsoft.com/office/drawing/2010/main" w="9525">
                     <a:solidFill>
                       <a:srgbClr val="000000"/>
                     </a:solidFill>
@@ -12393,7 +12394,7 @@
               </a:ln>
               <a:extLst>
                 <a:ext uri="{91240B29-F687-4f45-9708-019B960494DF}">
-                  <a14:hiddenLine xmlns:a14="http://schemas.microsoft.com/office/drawing/2010/main" xmlns="" w="9525">
+                  <a14:hiddenLine xmlns="" xmlns:a14="http://schemas.microsoft.com/office/drawing/2010/main" w="9525">
                     <a:solidFill>
                       <a:srgbClr val="000000"/>
                     </a:solidFill>
@@ -12455,7 +12456,7 @@
               </a:ln>
               <a:extLst>
                 <a:ext uri="{91240B29-F687-4f45-9708-019B960494DF}">
-                  <a14:hiddenLine xmlns:a14="http://schemas.microsoft.com/office/drawing/2010/main" xmlns="" w="9525">
+                  <a14:hiddenLine xmlns="" xmlns:a14="http://schemas.microsoft.com/office/drawing/2010/main" w="9525">
                     <a:solidFill>
                       <a:srgbClr val="000000"/>
                     </a:solidFill>
@@ -12545,7 +12546,7 @@
               </a:ln>
               <a:extLst>
                 <a:ext uri="{91240B29-F687-4f45-9708-019B960494DF}">
-                  <a14:hiddenLine xmlns:a14="http://schemas.microsoft.com/office/drawing/2010/main" xmlns="" w="9525">
+                  <a14:hiddenLine xmlns="" xmlns:a14="http://schemas.microsoft.com/office/drawing/2010/main" w="9525">
                     <a:solidFill>
                       <a:srgbClr val="000000"/>
                     </a:solidFill>
@@ -12610,7 +12611,7 @@
               </a:ln>
               <a:extLst>
                 <a:ext uri="{91240B29-F687-4f45-9708-019B960494DF}">
-                  <a14:hiddenLine xmlns:a14="http://schemas.microsoft.com/office/drawing/2010/main" xmlns="" w="9525">
+                  <a14:hiddenLine xmlns="" xmlns:a14="http://schemas.microsoft.com/office/drawing/2010/main" w="9525">
                     <a:solidFill>
                       <a:srgbClr val="000000"/>
                     </a:solidFill>
@@ -12672,7 +12673,7 @@
               </a:ln>
               <a:extLst>
                 <a:ext uri="{91240B29-F687-4f45-9708-019B960494DF}">
-                  <a14:hiddenLine xmlns:a14="http://schemas.microsoft.com/office/drawing/2010/main" xmlns="" w="9525">
+                  <a14:hiddenLine xmlns="" xmlns:a14="http://schemas.microsoft.com/office/drawing/2010/main" w="9525">
                     <a:solidFill>
                       <a:srgbClr val="000000"/>
                     </a:solidFill>
@@ -12762,7 +12763,7 @@
               </a:ln>
               <a:extLst>
                 <a:ext uri="{91240B29-F687-4f45-9708-019B960494DF}">
-                  <a14:hiddenLine xmlns:a14="http://schemas.microsoft.com/office/drawing/2010/main" xmlns="" w="9525">
+                  <a14:hiddenLine xmlns="" xmlns:a14="http://schemas.microsoft.com/office/drawing/2010/main" w="9525">
                     <a:solidFill>
                       <a:srgbClr val="000000"/>
                     </a:solidFill>
@@ -12852,7 +12853,7 @@
               </a:ln>
               <a:extLst>
                 <a:ext uri="{91240B29-F687-4f45-9708-019B960494DF}">
-                  <a14:hiddenLine xmlns:a14="http://schemas.microsoft.com/office/drawing/2010/main" xmlns="" w="9525">
+                  <a14:hiddenLine xmlns="" xmlns:a14="http://schemas.microsoft.com/office/drawing/2010/main" w="9525">
                     <a:solidFill>
                       <a:srgbClr val="000000"/>
                     </a:solidFill>
@@ -12917,7 +12918,7 @@
               </a:ln>
               <a:extLst>
                 <a:ext uri="{91240B29-F687-4f45-9708-019B960494DF}">
-                  <a14:hiddenLine xmlns:a14="http://schemas.microsoft.com/office/drawing/2010/main" xmlns="" w="9525">
+                  <a14:hiddenLine xmlns="" xmlns:a14="http://schemas.microsoft.com/office/drawing/2010/main" w="9525">
                     <a:solidFill>
                       <a:srgbClr val="000000"/>
                     </a:solidFill>
@@ -13037,7 +13038,7 @@
               </a:ln>
               <a:extLst>
                 <a:ext uri="{91240B29-F687-4f45-9708-019B960494DF}">
-                  <a14:hiddenLine xmlns:a14="http://schemas.microsoft.com/office/drawing/2010/main" xmlns="" w="9525">
+                  <a14:hiddenLine xmlns="" xmlns:a14="http://schemas.microsoft.com/office/drawing/2010/main" w="9525">
                     <a:solidFill>
                       <a:srgbClr val="000000"/>
                     </a:solidFill>
@@ -13135,7 +13136,7 @@
               </a:ln>
               <a:extLst>
                 <a:ext uri="{91240B29-F687-4f45-9708-019B960494DF}">
-                  <a14:hiddenLine xmlns:a14="http://schemas.microsoft.com/office/drawing/2010/main" xmlns="" w="9525">
+                  <a14:hiddenLine xmlns="" xmlns:a14="http://schemas.microsoft.com/office/drawing/2010/main" w="9525">
                     <a:solidFill>
                       <a:srgbClr val="000000"/>
                     </a:solidFill>
@@ -13250,7 +13251,7 @@
               </a:ln>
               <a:extLst>
                 <a:ext uri="{91240B29-F687-4f45-9708-019B960494DF}">
-                  <a14:hiddenLine xmlns:a14="http://schemas.microsoft.com/office/drawing/2010/main" xmlns="" w="9525">
+                  <a14:hiddenLine xmlns="" xmlns:a14="http://schemas.microsoft.com/office/drawing/2010/main" w="9525">
                     <a:solidFill>
                       <a:srgbClr val="000000"/>
                     </a:solidFill>
@@ -13340,7 +13341,7 @@
               </a:ln>
               <a:extLst>
                 <a:ext uri="{91240B29-F687-4f45-9708-019B960494DF}">
-                  <a14:hiddenLine xmlns:a14="http://schemas.microsoft.com/office/drawing/2010/main" xmlns="" w="9525">
+                  <a14:hiddenLine xmlns="" xmlns:a14="http://schemas.microsoft.com/office/drawing/2010/main" w="9525">
                     <a:solidFill>
                       <a:srgbClr val="000000"/>
                     </a:solidFill>
@@ -13405,7 +13406,7 @@
               </a:ln>
               <a:extLst>
                 <a:ext uri="{91240B29-F687-4f45-9708-019B960494DF}">
-                  <a14:hiddenLine xmlns:a14="http://schemas.microsoft.com/office/drawing/2010/main" xmlns="" w="9525">
+                  <a14:hiddenLine xmlns="" xmlns:a14="http://schemas.microsoft.com/office/drawing/2010/main" w="9525">
                     <a:solidFill>
                       <a:srgbClr val="000000"/>
                     </a:solidFill>
@@ -13495,7 +13496,7 @@
               </a:ln>
               <a:extLst>
                 <a:ext uri="{91240B29-F687-4f45-9708-019B960494DF}">
-                  <a14:hiddenLine xmlns:a14="http://schemas.microsoft.com/office/drawing/2010/main" xmlns="" w="9525">
+                  <a14:hiddenLine xmlns="" xmlns:a14="http://schemas.microsoft.com/office/drawing/2010/main" w="9525">
                     <a:solidFill>
                       <a:srgbClr val="000000"/>
                     </a:solidFill>
@@ -13563,7 +13564,7 @@
               </a:ln>
               <a:extLst>
                 <a:ext uri="{91240B29-F687-4f45-9708-019B960494DF}">
-                  <a14:hiddenLine xmlns:a14="http://schemas.microsoft.com/office/drawing/2010/main" xmlns="" w="9525">
+                  <a14:hiddenLine xmlns="" xmlns:a14="http://schemas.microsoft.com/office/drawing/2010/main" w="9525">
                     <a:solidFill>
                       <a:srgbClr val="000000"/>
                     </a:solidFill>
@@ -13653,7 +13654,7 @@
               </a:ln>
               <a:extLst>
                 <a:ext uri="{91240B29-F687-4f45-9708-019B960494DF}">
-                  <a14:hiddenLine xmlns:a14="http://schemas.microsoft.com/office/drawing/2010/main" xmlns="" w="9525">
+                  <a14:hiddenLine xmlns="" xmlns:a14="http://schemas.microsoft.com/office/drawing/2010/main" w="9525">
                     <a:solidFill>
                       <a:srgbClr val="000000"/>
                     </a:solidFill>
@@ -13721,7 +13722,7 @@
               </a:ln>
               <a:extLst>
                 <a:ext uri="{91240B29-F687-4f45-9708-019B960494DF}">
-                  <a14:hiddenLine xmlns:a14="http://schemas.microsoft.com/office/drawing/2010/main" xmlns="" w="9525">
+                  <a14:hiddenLine xmlns="" xmlns:a14="http://schemas.microsoft.com/office/drawing/2010/main" w="9525">
                     <a:solidFill>
                       <a:srgbClr val="000000"/>
                     </a:solidFill>
@@ -13811,7 +13812,7 @@
               </a:ln>
               <a:extLst>
                 <a:ext uri="{91240B29-F687-4f45-9708-019B960494DF}">
-                  <a14:hiddenLine xmlns:a14="http://schemas.microsoft.com/office/drawing/2010/main" xmlns="" w="9525">
+                  <a14:hiddenLine xmlns="" xmlns:a14="http://schemas.microsoft.com/office/drawing/2010/main" w="9525">
                     <a:solidFill>
                       <a:srgbClr val="000000"/>
                     </a:solidFill>
@@ -13845,7 +13846,7 @@
               </a:ln>
               <a:extLst>
                 <a:ext uri="{91240B29-F687-4f45-9708-019B960494DF}">
-                  <a14:hiddenLine xmlns:a14="http://schemas.microsoft.com/office/drawing/2010/main" xmlns="" w="9525">
+                  <a14:hiddenLine xmlns="" xmlns:a14="http://schemas.microsoft.com/office/drawing/2010/main" w="9525">
                     <a:solidFill>
                       <a:srgbClr val="000000"/>
                     </a:solidFill>
@@ -13986,7 +13987,7 @@
             <a:fld id="{48A87A34-81AB-432B-8DAE-1953F412C126}" type="datetimeFigureOut">
               <a:rPr lang="en-US" dirty="0"/>
               <a:pPr/>
-              <a:t>9/3/2019</a:t>
+              <a:t>9/16/2019</a:t>
             </a:fld>
             <a:endParaRPr lang="en-US" dirty="0"/>
           </a:p>
@@ -15445,7 +15446,7 @@
             </a:r>
             <a:r>
               <a:rPr lang="zh-CN" altLang="en-US" dirty="0"/>
-              <a:t>部门异动到了</a:t>
+              <a:t>部门移动到了</a:t>
             </a:r>
             <a:r>
               <a:rPr lang="en-US" altLang="zh-CN" dirty="0"/>
@@ -16911,6 +16912,92 @@
 </p:sld>
 </file>
 
+<file path=ppt/slides/slide16.xml><?xml version="1.0" encoding="utf-8"?>
+<p:sld xmlns:a="http://schemas.openxmlformats.org/drawingml/2006/main" xmlns:r="http://schemas.openxmlformats.org/officeDocument/2006/relationships" xmlns:p="http://schemas.openxmlformats.org/presentationml/2006/main">
+  <p:cSld>
+    <p:spTree>
+      <p:nvGrpSpPr>
+        <p:cNvPr id="1" name=""/>
+        <p:cNvGrpSpPr/>
+        <p:nvPr/>
+      </p:nvGrpSpPr>
+      <p:grpSpPr>
+        <a:xfrm>
+          <a:off x="0" y="0"/>
+          <a:ext cx="0" cy="0"/>
+          <a:chOff x="0" y="0"/>
+          <a:chExt cx="0" cy="0"/>
+        </a:xfrm>
+      </p:grpSpPr>
+      <p:sp>
+        <p:nvSpPr>
+          <p:cNvPr id="2" name="标题 1">
+            <a:extLst>
+              <a:ext uri="{FF2B5EF4-FFF2-40B4-BE49-F238E27FC236}">
+                <a16:creationId xmlns:a16="http://schemas.microsoft.com/office/drawing/2014/main" id="{F908C8E5-8BC1-4739-8CF1-40CAB5A53B60}"/>
+              </a:ext>
+            </a:extLst>
+          </p:cNvPr>
+          <p:cNvSpPr>
+            <a:spLocks noGrp="1"/>
+          </p:cNvSpPr>
+          <p:nvPr>
+            <p:ph type="title"/>
+          </p:nvPr>
+        </p:nvSpPr>
+        <p:spPr/>
+        <p:txBody>
+          <a:bodyPr/>
+          <a:lstStyle/>
+          <a:p>
+            <a:r>
+              <a:rPr lang="zh-CN" altLang="en-US" dirty="0"/>
+              <a:t>结束！</a:t>
+            </a:r>
+          </a:p>
+        </p:txBody>
+      </p:sp>
+      <p:sp>
+        <p:nvSpPr>
+          <p:cNvPr id="3" name="内容占位符 2">
+            <a:extLst>
+              <a:ext uri="{FF2B5EF4-FFF2-40B4-BE49-F238E27FC236}">
+                <a16:creationId xmlns:a16="http://schemas.microsoft.com/office/drawing/2014/main" id="{2B2C4B4C-F65A-4D8D-981C-4348FE9F9DA6}"/>
+              </a:ext>
+            </a:extLst>
+          </p:cNvPr>
+          <p:cNvSpPr>
+            <a:spLocks noGrp="1"/>
+          </p:cNvSpPr>
+          <p:nvPr>
+            <p:ph idx="1"/>
+          </p:nvPr>
+        </p:nvSpPr>
+        <p:spPr/>
+        <p:txBody>
+          <a:bodyPr/>
+          <a:lstStyle/>
+          <a:p>
+            <a:r>
+              <a:rPr lang="zh-CN" altLang="en-US" dirty="0"/>
+              <a:t>感谢大家的耐心倾听！</a:t>
+            </a:r>
+          </a:p>
+        </p:txBody>
+      </p:sp>
+    </p:spTree>
+    <p:extLst>
+      <p:ext uri="{BB962C8B-B14F-4D97-AF65-F5344CB8AC3E}">
+        <p14:creationId xmlns:p14="http://schemas.microsoft.com/office/powerpoint/2010/main" val="2310472463"/>
+      </p:ext>
+    </p:extLst>
+  </p:cSld>
+  <p:clrMapOvr>
+    <a:masterClrMapping/>
+  </p:clrMapOvr>
+</p:sld>
+</file>
+
 <file path=ppt/slides/slide2.xml><?xml version="1.0" encoding="utf-8"?>
 <p:sld xmlns:a="http://schemas.openxmlformats.org/drawingml/2006/main" xmlns:r="http://schemas.openxmlformats.org/officeDocument/2006/relationships" xmlns:p="http://schemas.openxmlformats.org/presentationml/2006/main">
   <p:cSld>
@@ -17751,26 +17838,35 @@
                                   </p:childTnLst>
                                 </p:cTn>
                               </p:par>
-                            </p:childTnLst>
-                          </p:cTn>
-                        </p:par>
-                      </p:childTnLst>
-                    </p:cTn>
-                  </p:par>
-                  <p:par>
-                    <p:cTn id="7" fill="hold">
-                      <p:stCondLst>
-                        <p:cond delay="indefinite"/>
-                      </p:stCondLst>
-                      <p:childTnLst>
-                        <p:par>
-                          <p:cTn id="8" fill="hold">
-                            <p:stCondLst>
-                              <p:cond delay="0"/>
-                            </p:stCondLst>
-                            <p:childTnLst>
                               <p:par>
-                                <p:cTn id="9" presetID="1" presetClass="entr" presetSubtype="0" fill="hold" grpId="0" nodeType="clickEffect">
+                                <p:cTn id="7" presetID="1" presetClass="entr" presetSubtype="0" fill="hold" grpId="0" nodeType="withEffect">
+                                  <p:stCondLst>
+                                    <p:cond delay="0"/>
+                                  </p:stCondLst>
+                                  <p:childTnLst>
+                                    <p:set>
+                                      <p:cBhvr>
+                                        <p:cTn id="8" dur="1" fill="hold">
+                                          <p:stCondLst>
+                                            <p:cond delay="0"/>
+                                          </p:stCondLst>
+                                        </p:cTn>
+                                        <p:tgtEl>
+                                          <p:spTgt spid="21"/>
+                                        </p:tgtEl>
+                                        <p:attrNameLst>
+                                          <p:attrName>style.visibility</p:attrName>
+                                        </p:attrNameLst>
+                                      </p:cBhvr>
+                                      <p:to>
+                                        <p:strVal val="visible"/>
+                                      </p:to>
+                                    </p:set>
+                                  </p:childTnLst>
+                                </p:cTn>
+                              </p:par>
+                              <p:par>
+                                <p:cTn id="9" presetID="1" presetClass="entr" presetSubtype="0" fill="hold" grpId="0" nodeType="withEffect">
                                   <p:stCondLst>
                                     <p:cond delay="0"/>
                                   </p:stCondLst>
@@ -17783,7 +17879,295 @@
                                           </p:stCondLst>
                                         </p:cTn>
                                         <p:tgtEl>
+                                          <p:spTgt spid="15"/>
+                                        </p:tgtEl>
+                                        <p:attrNameLst>
+                                          <p:attrName>style.visibility</p:attrName>
+                                        </p:attrNameLst>
+                                      </p:cBhvr>
+                                      <p:to>
+                                        <p:strVal val="visible"/>
+                                      </p:to>
+                                    </p:set>
+                                  </p:childTnLst>
+                                </p:cTn>
+                              </p:par>
+                              <p:par>
+                                <p:cTn id="11" presetID="1" presetClass="entr" presetSubtype="0" fill="hold" nodeType="withEffect">
+                                  <p:stCondLst>
+                                    <p:cond delay="0"/>
+                                  </p:stCondLst>
+                                  <p:childTnLst>
+                                    <p:set>
+                                      <p:cBhvr>
+                                        <p:cTn id="12" dur="1" fill="hold">
+                                          <p:stCondLst>
+                                            <p:cond delay="0"/>
+                                          </p:stCondLst>
+                                        </p:cTn>
+                                        <p:tgtEl>
+                                          <p:spTgt spid="20"/>
+                                        </p:tgtEl>
+                                        <p:attrNameLst>
+                                          <p:attrName>style.visibility</p:attrName>
+                                        </p:attrNameLst>
+                                      </p:cBhvr>
+                                      <p:to>
+                                        <p:strVal val="visible"/>
+                                      </p:to>
+                                    </p:set>
+                                  </p:childTnLst>
+                                </p:cTn>
+                              </p:par>
+                              <p:par>
+                                <p:cTn id="13" presetID="1" presetClass="entr" presetSubtype="0" fill="hold" grpId="0" nodeType="withEffect">
+                                  <p:stCondLst>
+                                    <p:cond delay="0"/>
+                                  </p:stCondLst>
+                                  <p:childTnLst>
+                                    <p:set>
+                                      <p:cBhvr>
+                                        <p:cTn id="14" dur="1" fill="hold">
+                                          <p:stCondLst>
+                                            <p:cond delay="0"/>
+                                          </p:stCondLst>
+                                        </p:cTn>
+                                        <p:tgtEl>
+                                          <p:spTgt spid="17"/>
+                                        </p:tgtEl>
+                                        <p:attrNameLst>
+                                          <p:attrName>style.visibility</p:attrName>
+                                        </p:attrNameLst>
+                                      </p:cBhvr>
+                                      <p:to>
+                                        <p:strVal val="visible"/>
+                                      </p:to>
+                                    </p:set>
+                                  </p:childTnLst>
+                                </p:cTn>
+                              </p:par>
+                            </p:childTnLst>
+                          </p:cTn>
+                        </p:par>
+                      </p:childTnLst>
+                    </p:cTn>
+                  </p:par>
+                  <p:par>
+                    <p:cTn id="15" fill="hold">
+                      <p:stCondLst>
+                        <p:cond delay="indefinite"/>
+                      </p:stCondLst>
+                      <p:childTnLst>
+                        <p:par>
+                          <p:cTn id="16" fill="hold">
+                            <p:stCondLst>
+                              <p:cond delay="0"/>
+                            </p:stCondLst>
+                            <p:childTnLst>
+                              <p:par>
+                                <p:cTn id="17" presetID="1" presetClass="entr" presetSubtype="0" fill="hold" grpId="0" nodeType="clickEffect">
+                                  <p:stCondLst>
+                                    <p:cond delay="0"/>
+                                  </p:stCondLst>
+                                  <p:childTnLst>
+                                    <p:set>
+                                      <p:cBhvr>
+                                        <p:cTn id="18" dur="1" fill="hold">
+                                          <p:stCondLst>
+                                            <p:cond delay="0"/>
+                                          </p:stCondLst>
+                                        </p:cTn>
+                                        <p:tgtEl>
                                           <p:spTgt spid="14"/>
+                                        </p:tgtEl>
+                                        <p:attrNameLst>
+                                          <p:attrName>style.visibility</p:attrName>
+                                        </p:attrNameLst>
+                                      </p:cBhvr>
+                                      <p:to>
+                                        <p:strVal val="visible"/>
+                                      </p:to>
+                                    </p:set>
+                                  </p:childTnLst>
+                                </p:cTn>
+                              </p:par>
+                              <p:par>
+                                <p:cTn id="19" presetID="1" presetClass="entr" presetSubtype="0" fill="hold" grpId="0" nodeType="withEffect">
+                                  <p:stCondLst>
+                                    <p:cond delay="0"/>
+                                  </p:stCondLst>
+                                  <p:childTnLst>
+                                    <p:set>
+                                      <p:cBhvr>
+                                        <p:cTn id="20" dur="1" fill="hold">
+                                          <p:stCondLst>
+                                            <p:cond delay="0"/>
+                                          </p:stCondLst>
+                                        </p:cTn>
+                                        <p:tgtEl>
+                                          <p:spTgt spid="22"/>
+                                        </p:tgtEl>
+                                        <p:attrNameLst>
+                                          <p:attrName>style.visibility</p:attrName>
+                                        </p:attrNameLst>
+                                      </p:cBhvr>
+                                      <p:to>
+                                        <p:strVal val="visible"/>
+                                      </p:to>
+                                    </p:set>
+                                  </p:childTnLst>
+                                </p:cTn>
+                              </p:par>
+                              <p:par>
+                                <p:cTn id="21" presetID="1" presetClass="entr" presetSubtype="0" fill="hold" grpId="0" nodeType="withEffect">
+                                  <p:stCondLst>
+                                    <p:cond delay="0"/>
+                                  </p:stCondLst>
+                                  <p:childTnLst>
+                                    <p:set>
+                                      <p:cBhvr>
+                                        <p:cTn id="22" dur="1" fill="hold">
+                                          <p:stCondLst>
+                                            <p:cond delay="0"/>
+                                          </p:stCondLst>
+                                        </p:cTn>
+                                        <p:tgtEl>
+                                          <p:spTgt spid="29"/>
+                                        </p:tgtEl>
+                                        <p:attrNameLst>
+                                          <p:attrName>style.visibility</p:attrName>
+                                        </p:attrNameLst>
+                                      </p:cBhvr>
+                                      <p:to>
+                                        <p:strVal val="visible"/>
+                                      </p:to>
+                                    </p:set>
+                                  </p:childTnLst>
+                                </p:cTn>
+                              </p:par>
+                              <p:par>
+                                <p:cTn id="23" presetID="1" presetClass="entr" presetSubtype="0" fill="hold" grpId="0" nodeType="withEffect">
+                                  <p:stCondLst>
+                                    <p:cond delay="0"/>
+                                  </p:stCondLst>
+                                  <p:childTnLst>
+                                    <p:set>
+                                      <p:cBhvr>
+                                        <p:cTn id="24" dur="1" fill="hold">
+                                          <p:stCondLst>
+                                            <p:cond delay="0"/>
+                                          </p:stCondLst>
+                                        </p:cTn>
+                                        <p:tgtEl>
+                                          <p:spTgt spid="23"/>
+                                        </p:tgtEl>
+                                        <p:attrNameLst>
+                                          <p:attrName>style.visibility</p:attrName>
+                                        </p:attrNameLst>
+                                      </p:cBhvr>
+                                      <p:to>
+                                        <p:strVal val="visible"/>
+                                      </p:to>
+                                    </p:set>
+                                  </p:childTnLst>
+                                </p:cTn>
+                              </p:par>
+                              <p:par>
+                                <p:cTn id="25" presetID="1" presetClass="entr" presetSubtype="0" fill="hold" nodeType="withEffect">
+                                  <p:stCondLst>
+                                    <p:cond delay="0"/>
+                                  </p:stCondLst>
+                                  <p:childTnLst>
+                                    <p:set>
+                                      <p:cBhvr>
+                                        <p:cTn id="26" dur="1" fill="hold">
+                                          <p:stCondLst>
+                                            <p:cond delay="0"/>
+                                          </p:stCondLst>
+                                        </p:cTn>
+                                        <p:tgtEl>
+                                          <p:spTgt spid="26"/>
+                                        </p:tgtEl>
+                                        <p:attrNameLst>
+                                          <p:attrName>style.visibility</p:attrName>
+                                        </p:attrNameLst>
+                                      </p:cBhvr>
+                                      <p:to>
+                                        <p:strVal val="visible"/>
+                                      </p:to>
+                                    </p:set>
+                                  </p:childTnLst>
+                                </p:cTn>
+                              </p:par>
+                              <p:par>
+                                <p:cTn id="27" presetID="1" presetClass="entr" presetSubtype="0" fill="hold" grpId="0" nodeType="withEffect">
+                                  <p:stCondLst>
+                                    <p:cond delay="0"/>
+                                  </p:stCondLst>
+                                  <p:childTnLst>
+                                    <p:set>
+                                      <p:cBhvr>
+                                        <p:cTn id="28" dur="1" fill="hold">
+                                          <p:stCondLst>
+                                            <p:cond delay="0"/>
+                                          </p:stCondLst>
+                                        </p:cTn>
+                                        <p:tgtEl>
+                                          <p:spTgt spid="24"/>
+                                        </p:tgtEl>
+                                        <p:attrNameLst>
+                                          <p:attrName>style.visibility</p:attrName>
+                                        </p:attrNameLst>
+                                      </p:cBhvr>
+                                      <p:to>
+                                        <p:strVal val="visible"/>
+                                      </p:to>
+                                    </p:set>
+                                  </p:childTnLst>
+                                </p:cTn>
+                              </p:par>
+                              <p:par>
+                                <p:cTn id="29" presetID="1" presetClass="entr" presetSubtype="0" fill="hold" nodeType="withEffect">
+                                  <p:stCondLst>
+                                    <p:cond delay="0"/>
+                                  </p:stCondLst>
+                                  <p:childTnLst>
+                                    <p:set>
+                                      <p:cBhvr>
+                                        <p:cTn id="30" dur="1" fill="hold">
+                                          <p:stCondLst>
+                                            <p:cond delay="0"/>
+                                          </p:stCondLst>
+                                        </p:cTn>
+                                        <p:tgtEl>
+                                          <p:spTgt spid="28"/>
+                                        </p:tgtEl>
+                                        <p:attrNameLst>
+                                          <p:attrName>style.visibility</p:attrName>
+                                        </p:attrNameLst>
+                                      </p:cBhvr>
+                                      <p:to>
+                                        <p:strVal val="visible"/>
+                                      </p:to>
+                                    </p:set>
+                                  </p:childTnLst>
+                                </p:cTn>
+                              </p:par>
+                              <p:par>
+                                <p:cTn id="31" presetID="1" presetClass="entr" presetSubtype="0" fill="hold" grpId="0" nodeType="withEffect">
+                                  <p:stCondLst>
+                                    <p:cond delay="0"/>
+                                  </p:stCondLst>
+                                  <p:childTnLst>
+                                    <p:set>
+                                      <p:cBhvr>
+                                        <p:cTn id="32" dur="1" fill="hold">
+                                          <p:stCondLst>
+                                            <p:cond delay="0"/>
+                                          </p:stCondLst>
+                                        </p:cTn>
+                                        <p:tgtEl>
+                                          <p:spTgt spid="25"/>
                                         </p:tgtEl>
                                         <p:attrNameLst>
                                           <p:attrName>style.visibility</p:attrName>
@@ -17826,6 +18210,14 @@
     <p:bldLst>
       <p:bldP spid="12" grpId="0" animBg="1"/>
       <p:bldP spid="14" grpId="0" animBg="1"/>
+      <p:bldP spid="15" grpId="0" animBg="1"/>
+      <p:bldP spid="17" grpId="0" animBg="1"/>
+      <p:bldP spid="21" grpId="0"/>
+      <p:bldP spid="22" grpId="0"/>
+      <p:bldP spid="23" grpId="0" animBg="1"/>
+      <p:bldP spid="24" grpId="0" animBg="1"/>
+      <p:bldP spid="25" grpId="0" animBg="1"/>
+      <p:bldP spid="29" grpId="0"/>
     </p:bldLst>
   </p:timing>
 </p:sld>
